--- a/tests/testthat/docs_dir/test_empty.pptx
+++ b/tests/testthat/docs_dir/test_empty.pptx
@@ -5,10 +5,11 @@
     <p:sldMasterId id="2147483648" r:id="rId1"/>
   </p:sldMasterIdLst>
   <p:notesMasterIdLst>
-    <p:notesMasterId r:id="rId3"/>
+    <p:notesMasterId r:id="rId4"/>
   </p:notesMasterIdLst>
   <p:sldIdLst>
-    <p:sldId id="461" r:id="rId2"/>
+    <p:sldId id="256" r:id="rId2"/>
+    <p:sldId id="461" r:id="rId3"/>
   </p:sldIdLst>
   <p:sldSz cx="9144000" cy="6858000" type="screen4x3"/>
   <p:notesSz cx="6858000" cy="9144000"/>
@@ -208,7 +209,7 @@
           <a:p>
             <a:fld id="{FC74DA8E-B375-D549-8FFF-089DAAA0ECE3}" type="datetimeFigureOut">
               <a:rPr lang="en-US" smtClean="0"/>
-              <a:t>7/25/19</a:t>
+              <a:t>8/7/19</a:t>
             </a:fld>
             <a:endParaRPr lang="en-US"/>
           </a:p>
@@ -654,7 +655,7 @@
           <a:p>
             <a:fld id="{21DE9E21-9B82-864D-8C42-8D1595EBCCFA}" type="datetimeFigureOut">
               <a:rPr lang="en-US" smtClean="0"/>
-              <a:t>7/25/19</a:t>
+              <a:t>8/7/19</a:t>
             </a:fld>
             <a:endParaRPr lang="en-US"/>
           </a:p>
@@ -822,7 +823,7 @@
           <a:p>
             <a:fld id="{21DE9E21-9B82-864D-8C42-8D1595EBCCFA}" type="datetimeFigureOut">
               <a:rPr lang="en-US" smtClean="0"/>
-              <a:t>7/25/19</a:t>
+              <a:t>8/7/19</a:t>
             </a:fld>
             <a:endParaRPr lang="en-US"/>
           </a:p>
@@ -1000,7 +1001,7 @@
           <a:p>
             <a:fld id="{21DE9E21-9B82-864D-8C42-8D1595EBCCFA}" type="datetimeFigureOut">
               <a:rPr lang="en-US" smtClean="0"/>
-              <a:t>7/25/19</a:t>
+              <a:t>8/7/19</a:t>
             </a:fld>
             <a:endParaRPr lang="en-US"/>
           </a:p>
@@ -1168,7 +1169,7 @@
           <a:p>
             <a:fld id="{21DE9E21-9B82-864D-8C42-8D1595EBCCFA}" type="datetimeFigureOut">
               <a:rPr lang="en-US" smtClean="0"/>
-              <a:t>7/25/19</a:t>
+              <a:t>8/7/19</a:t>
             </a:fld>
             <a:endParaRPr lang="en-US"/>
           </a:p>
@@ -1413,7 +1414,7 @@
           <a:p>
             <a:fld id="{21DE9E21-9B82-864D-8C42-8D1595EBCCFA}" type="datetimeFigureOut">
               <a:rPr lang="en-US" smtClean="0"/>
-              <a:t>7/25/19</a:t>
+              <a:t>8/7/19</a:t>
             </a:fld>
             <a:endParaRPr lang="en-US"/>
           </a:p>
@@ -1698,7 +1699,7 @@
           <a:p>
             <a:fld id="{21DE9E21-9B82-864D-8C42-8D1595EBCCFA}" type="datetimeFigureOut">
               <a:rPr lang="en-US" smtClean="0"/>
-              <a:t>7/25/19</a:t>
+              <a:t>8/7/19</a:t>
             </a:fld>
             <a:endParaRPr lang="en-US"/>
           </a:p>
@@ -2117,7 +2118,7 @@
           <a:p>
             <a:fld id="{21DE9E21-9B82-864D-8C42-8D1595EBCCFA}" type="datetimeFigureOut">
               <a:rPr lang="en-US" smtClean="0"/>
-              <a:t>7/25/19</a:t>
+              <a:t>8/7/19</a:t>
             </a:fld>
             <a:endParaRPr lang="en-US"/>
           </a:p>
@@ -2234,7 +2235,7 @@
           <a:p>
             <a:fld id="{21DE9E21-9B82-864D-8C42-8D1595EBCCFA}" type="datetimeFigureOut">
               <a:rPr lang="en-US" smtClean="0"/>
-              <a:t>7/25/19</a:t>
+              <a:t>8/7/19</a:t>
             </a:fld>
             <a:endParaRPr lang="en-US"/>
           </a:p>
@@ -2329,7 +2330,7 @@
           <a:p>
             <a:fld id="{21DE9E21-9B82-864D-8C42-8D1595EBCCFA}" type="datetimeFigureOut">
               <a:rPr lang="en-US" smtClean="0"/>
-              <a:t>7/25/19</a:t>
+              <a:t>8/7/19</a:t>
             </a:fld>
             <a:endParaRPr lang="en-US"/>
           </a:p>
@@ -2604,7 +2605,7 @@
           <a:p>
             <a:fld id="{21DE9E21-9B82-864D-8C42-8D1595EBCCFA}" type="datetimeFigureOut">
               <a:rPr lang="en-US" smtClean="0"/>
-              <a:t>7/25/19</a:t>
+              <a:t>8/7/19</a:t>
             </a:fld>
             <a:endParaRPr lang="en-US"/>
           </a:p>
@@ -2856,7 +2857,7 @@
           <a:p>
             <a:fld id="{21DE9E21-9B82-864D-8C42-8D1595EBCCFA}" type="datetimeFigureOut">
               <a:rPr lang="en-US" smtClean="0"/>
-              <a:t>7/25/19</a:t>
+              <a:t>8/7/19</a:t>
             </a:fld>
             <a:endParaRPr lang="en-US"/>
           </a:p>
@@ -3067,7 +3068,7 @@
           <a:p>
             <a:fld id="{21DE9E21-9B82-864D-8C42-8D1595EBCCFA}" type="datetimeFigureOut">
               <a:rPr lang="en-US" smtClean="0"/>
-              <a:t>7/25/19</a:t>
+              <a:t>8/7/19</a:t>
             </a:fld>
             <a:endParaRPr lang="en-US"/>
           </a:p>
@@ -3426,6 +3427,80 @@
 </file>
 
 <file path=ppt/slides/slide1.xml><?xml version="1.0" encoding="utf-8"?>
+<p:sld xmlns:a="http://schemas.openxmlformats.org/drawingml/2006/main" xmlns:r="http://schemas.openxmlformats.org/officeDocument/2006/relationships" xmlns:p="http://schemas.openxmlformats.org/presentationml/2006/main">
+  <p:cSld>
+    <p:spTree>
+      <p:nvGrpSpPr>
+        <p:cNvPr id="1" name=""/>
+        <p:cNvGrpSpPr/>
+        <p:nvPr/>
+      </p:nvGrpSpPr>
+      <p:grpSpPr>
+        <a:xfrm>
+          <a:off x="0" y="0"/>
+          <a:ext cx="0" cy="0"/>
+          <a:chOff x="0" y="0"/>
+          <a:chExt cx="0" cy="0"/>
+        </a:xfrm>
+      </p:grpSpPr>
+      <p:sp>
+        <p:nvSpPr>
+          <p:cNvPr id="2" name="Title 1"/>
+          <p:cNvSpPr>
+            <a:spLocks noGrp="1"/>
+          </p:cNvSpPr>
+          <p:nvPr>
+            <p:ph type="ctrTitle"/>
+          </p:nvPr>
+        </p:nvSpPr>
+        <p:spPr>
+          <a:xfrm>
+            <a:off x="992579" y="2540835"/>
+            <a:ext cx="7772400" cy="1470025"/>
+          </a:xfrm>
+        </p:spPr>
+        <p:txBody>
+          <a:bodyPr>
+            <a:normAutofit/>
+          </a:bodyPr>
+          <a:lstStyle/>
+          <a:p>
+            <a:r>
+              <a:rPr lang="en-US" b="1">
+                <a:solidFill>
+                  <a:schemeClr val="tx1">
+                    <a:lumMod val="75000"/>
+                    <a:lumOff val="25000"/>
+                  </a:schemeClr>
+                </a:solidFill>
+              </a:rPr>
+              <a:t>Blah blah</a:t>
+            </a:r>
+            <a:endParaRPr lang="en-US" b="1" dirty="0">
+              <a:solidFill>
+                <a:schemeClr val="tx1">
+                  <a:lumMod val="75000"/>
+                  <a:lumOff val="25000"/>
+                </a:schemeClr>
+              </a:solidFill>
+            </a:endParaRPr>
+          </a:p>
+        </p:txBody>
+      </p:sp>
+    </p:spTree>
+    <p:extLst>
+      <p:ext uri="{BB962C8B-B14F-4D97-AF65-F5344CB8AC3E}">
+        <p14:creationId xmlns:p14="http://schemas.microsoft.com/office/powerpoint/2010/main" val="1907111199"/>
+      </p:ext>
+    </p:extLst>
+  </p:cSld>
+  <p:clrMapOvr>
+    <a:masterClrMapping/>
+  </p:clrMapOvr>
+</p:sld>
+</file>
+
+<file path=ppt/slides/slide2.xml><?xml version="1.0" encoding="utf-8"?>
 <p:sld xmlns:a="http://schemas.openxmlformats.org/drawingml/2006/main" xmlns:r="http://schemas.openxmlformats.org/officeDocument/2006/relationships" xmlns:p="http://schemas.openxmlformats.org/presentationml/2006/main">
   <p:cSld>
     <p:spTree>
